--- a/solutions/nvidia/modern-workspace/omniverse-enterprise/presales/solution-briefing.pptx
+++ b/solutions/nvidia/modern-workspace/omniverse-enterprise/presales/solution-briefing.pptx
@@ -693,6 +693,39 @@
       </p:grpSpPr>
       <p:sp>
         <p:nvSpPr>
+          <p:cNvPr id="12" name="Picture Placeholder 13">
+            <a:extLst>
+              <a:ext uri="{FF2B5EF4-FFF2-40B4-BE49-F238E27FC236}">
+                <a16:creationId xmlns:a16="http://schemas.microsoft.com/office/drawing/2014/main" id="{2DB97592-C4D5-B315-7F11-AA14F6EE8A62}"/>
+              </a:ext>
+            </a:extLst>
+          </p:cNvPr>
+          <p:cNvSpPr>
+            <a:spLocks noGrp="1"/>
+          </p:cNvSpPr>
+          <p:nvPr>
+            <p:ph type="pic" sz="quarter" idx="13"/>
+          </p:nvPr>
+        </p:nvSpPr>
+        <p:spPr>
+          <a:xfrm>
+            <a:off x="313593" y="4536078"/>
+            <a:ext cx="2143858" cy="529698"/>
+          </a:xfrm>
+          <a:prstGeom prst="rect">
+            <a:avLst/>
+          </a:prstGeom>
+        </p:spPr>
+        <p:txBody>
+          <a:bodyPr/>
+          <a:lstStyle/>
+          <a:p>
+            <a:endParaRPr lang="en-US" dirty="0"/>
+          </a:p>
+        </p:txBody>
+      </p:sp>
+      <p:sp>
+        <p:nvSpPr>
           <p:cNvPr id="3" name="Shape 1">
             <a:extLst>
               <a:ext uri="{FF2B5EF4-FFF2-40B4-BE49-F238E27FC236}">
@@ -782,39 +815,6 @@
               <a:rPr lang="en-US" dirty="0"/>
               <a:t>Slide Title</a:t>
             </a:r>
-          </a:p>
-        </p:txBody>
-      </p:sp>
-      <p:sp>
-        <p:nvSpPr>
-          <p:cNvPr id="12" name="Picture Placeholder 13">
-            <a:extLst>
-              <a:ext uri="{FF2B5EF4-FFF2-40B4-BE49-F238E27FC236}">
-                <a16:creationId xmlns:a16="http://schemas.microsoft.com/office/drawing/2014/main" id="{2DB97592-C4D5-B315-7F11-AA14F6EE8A62}"/>
-              </a:ext>
-            </a:extLst>
-          </p:cNvPr>
-          <p:cNvSpPr>
-            <a:spLocks noGrp="1"/>
-          </p:cNvSpPr>
-          <p:nvPr>
-            <p:ph type="pic" sz="quarter" idx="13"/>
-          </p:nvPr>
-        </p:nvSpPr>
-        <p:spPr>
-          <a:xfrm>
-            <a:off x="313593" y="4536078"/>
-            <a:ext cx="2143858" cy="529698"/>
-          </a:xfrm>
-          <a:prstGeom prst="rect">
-            <a:avLst/>
-          </a:prstGeom>
-        </p:spPr>
-        <p:txBody>
-          <a:bodyPr/>
-          <a:lstStyle/>
-          <a:p>
-            <a:endParaRPr lang="en-US" dirty="0"/>
           </a:p>
         </p:txBody>
       </p:sp>
@@ -971,6 +971,39 @@
       </p:grpSpPr>
       <p:sp>
         <p:nvSpPr>
+          <p:cNvPr id="12" name="Picture Placeholder 13">
+            <a:extLst>
+              <a:ext uri="{FF2B5EF4-FFF2-40B4-BE49-F238E27FC236}">
+                <a16:creationId xmlns:a16="http://schemas.microsoft.com/office/drawing/2014/main" id="{2DB97592-C4D5-B315-7F11-AA14F6EE8A62}"/>
+              </a:ext>
+            </a:extLst>
+          </p:cNvPr>
+          <p:cNvSpPr>
+            <a:spLocks noGrp="1"/>
+          </p:cNvSpPr>
+          <p:nvPr>
+            <p:ph type="pic" sz="quarter" idx="13"/>
+          </p:nvPr>
+        </p:nvSpPr>
+        <p:spPr>
+          <a:xfrm>
+            <a:off x="313593" y="4536078"/>
+            <a:ext cx="2143858" cy="529698"/>
+          </a:xfrm>
+          <a:prstGeom prst="rect">
+            <a:avLst/>
+          </a:prstGeom>
+        </p:spPr>
+        <p:txBody>
+          <a:bodyPr/>
+          <a:lstStyle/>
+          <a:p>
+            <a:endParaRPr lang="en-US" dirty="0"/>
+          </a:p>
+        </p:txBody>
+      </p:sp>
+      <p:sp>
+        <p:nvSpPr>
           <p:cNvPr id="3" name="Shape 1">
             <a:extLst>
               <a:ext uri="{FF2B5EF4-FFF2-40B4-BE49-F238E27FC236}">
@@ -1060,39 +1093,6 @@
               <a:rPr lang="en-US" dirty="0"/>
               <a:t>Bullet Points</a:t>
             </a:r>
-          </a:p>
-        </p:txBody>
-      </p:sp>
-      <p:sp>
-        <p:nvSpPr>
-          <p:cNvPr id="12" name="Picture Placeholder 13">
-            <a:extLst>
-              <a:ext uri="{FF2B5EF4-FFF2-40B4-BE49-F238E27FC236}">
-                <a16:creationId xmlns:a16="http://schemas.microsoft.com/office/drawing/2014/main" id="{2DB97592-C4D5-B315-7F11-AA14F6EE8A62}"/>
-              </a:ext>
-            </a:extLst>
-          </p:cNvPr>
-          <p:cNvSpPr>
-            <a:spLocks noGrp="1"/>
-          </p:cNvSpPr>
-          <p:nvPr>
-            <p:ph type="pic" sz="quarter" idx="13"/>
-          </p:nvPr>
-        </p:nvSpPr>
-        <p:spPr>
-          <a:xfrm>
-            <a:off x="313593" y="4536078"/>
-            <a:ext cx="2143858" cy="529698"/>
-          </a:xfrm>
-          <a:prstGeom prst="rect">
-            <a:avLst/>
-          </a:prstGeom>
-        </p:spPr>
-        <p:txBody>
-          <a:bodyPr/>
-          <a:lstStyle/>
-          <a:p>
-            <a:endParaRPr lang="en-US" dirty="0"/>
           </a:p>
         </p:txBody>
       </p:sp>
@@ -1235,6 +1235,39 @@
       </p:grpSpPr>
       <p:sp>
         <p:nvSpPr>
+          <p:cNvPr id="10" name="Picture Placeholder 13">
+            <a:extLst>
+              <a:ext uri="{FF2B5EF4-FFF2-40B4-BE49-F238E27FC236}">
+                <a16:creationId xmlns:a16="http://schemas.microsoft.com/office/drawing/2014/main" id="{6A0FA445-7602-F06E-EC73-5504EBF827CC}"/>
+              </a:ext>
+            </a:extLst>
+          </p:cNvPr>
+          <p:cNvSpPr>
+            <a:spLocks noGrp="1"/>
+          </p:cNvSpPr>
+          <p:nvPr>
+            <p:ph type="pic" sz="quarter" idx="14"/>
+          </p:nvPr>
+        </p:nvSpPr>
+        <p:spPr>
+          <a:xfrm>
+            <a:off x="313592" y="4536078"/>
+            <a:ext cx="2121877" cy="529698"/>
+          </a:xfrm>
+          <a:prstGeom prst="rect">
+            <a:avLst/>
+          </a:prstGeom>
+        </p:spPr>
+        <p:txBody>
+          <a:bodyPr/>
+          <a:lstStyle/>
+          <a:p>
+            <a:endParaRPr lang="en-US" dirty="0"/>
+          </a:p>
+        </p:txBody>
+      </p:sp>
+      <p:sp>
+        <p:nvSpPr>
           <p:cNvPr id="3" name="Shape 1">
             <a:extLst>
               <a:ext uri="{FF2B5EF4-FFF2-40B4-BE49-F238E27FC236}">
@@ -1324,39 +1357,6 @@
               <a:rPr lang="en-US" dirty="0"/>
               <a:t>Two Column Layout</a:t>
             </a:r>
-          </a:p>
-        </p:txBody>
-      </p:sp>
-      <p:sp>
-        <p:nvSpPr>
-          <p:cNvPr id="10" name="Picture Placeholder 13">
-            <a:extLst>
-              <a:ext uri="{FF2B5EF4-FFF2-40B4-BE49-F238E27FC236}">
-                <a16:creationId xmlns:a16="http://schemas.microsoft.com/office/drawing/2014/main" id="{6A0FA445-7602-F06E-EC73-5504EBF827CC}"/>
-              </a:ext>
-            </a:extLst>
-          </p:cNvPr>
-          <p:cNvSpPr>
-            <a:spLocks noGrp="1"/>
-          </p:cNvSpPr>
-          <p:nvPr>
-            <p:ph type="pic" sz="quarter" idx="14"/>
-          </p:nvPr>
-        </p:nvSpPr>
-        <p:spPr>
-          <a:xfrm>
-            <a:off x="313592" y="4536078"/>
-            <a:ext cx="2121877" cy="529698"/>
-          </a:xfrm>
-          <a:prstGeom prst="rect">
-            <a:avLst/>
-          </a:prstGeom>
-        </p:spPr>
-        <p:txBody>
-          <a:bodyPr/>
-          <a:lstStyle/>
-          <a:p>
-            <a:endParaRPr lang="en-US" dirty="0"/>
           </a:p>
         </p:txBody>
       </p:sp>
@@ -1604,6 +1604,39 @@
       </p:grpSpPr>
       <p:sp>
         <p:nvSpPr>
+          <p:cNvPr id="12" name="Picture Placeholder 13">
+            <a:extLst>
+              <a:ext uri="{FF2B5EF4-FFF2-40B4-BE49-F238E27FC236}">
+                <a16:creationId xmlns:a16="http://schemas.microsoft.com/office/drawing/2014/main" id="{2DB97592-C4D5-B315-7F11-AA14F6EE8A62}"/>
+              </a:ext>
+            </a:extLst>
+          </p:cNvPr>
+          <p:cNvSpPr>
+            <a:spLocks noGrp="1"/>
+          </p:cNvSpPr>
+          <p:nvPr>
+            <p:ph type="pic" sz="quarter" idx="13"/>
+          </p:nvPr>
+        </p:nvSpPr>
+        <p:spPr>
+          <a:xfrm>
+            <a:off x="313592" y="4536078"/>
+            <a:ext cx="2126273" cy="529698"/>
+          </a:xfrm>
+          <a:prstGeom prst="rect">
+            <a:avLst/>
+          </a:prstGeom>
+        </p:spPr>
+        <p:txBody>
+          <a:bodyPr/>
+          <a:lstStyle/>
+          <a:p>
+            <a:endParaRPr lang="en-US" dirty="0"/>
+          </a:p>
+        </p:txBody>
+      </p:sp>
+      <p:sp>
+        <p:nvSpPr>
           <p:cNvPr id="3" name="Shape 1">
             <a:extLst>
               <a:ext uri="{FF2B5EF4-FFF2-40B4-BE49-F238E27FC236}">
@@ -1719,39 +1752,6 @@
           </a:p>
           <a:p>
             <a:pPr lvl="0"/>
-            <a:endParaRPr lang="en-US" dirty="0"/>
-          </a:p>
-        </p:txBody>
-      </p:sp>
-      <p:sp>
-        <p:nvSpPr>
-          <p:cNvPr id="12" name="Picture Placeholder 13">
-            <a:extLst>
-              <a:ext uri="{FF2B5EF4-FFF2-40B4-BE49-F238E27FC236}">
-                <a16:creationId xmlns:a16="http://schemas.microsoft.com/office/drawing/2014/main" id="{2DB97592-C4D5-B315-7F11-AA14F6EE8A62}"/>
-              </a:ext>
-            </a:extLst>
-          </p:cNvPr>
-          <p:cNvSpPr>
-            <a:spLocks noGrp="1"/>
-          </p:cNvSpPr>
-          <p:nvPr>
-            <p:ph type="pic" sz="quarter" idx="13"/>
-          </p:nvPr>
-        </p:nvSpPr>
-        <p:spPr>
-          <a:xfrm>
-            <a:off x="313592" y="4536078"/>
-            <a:ext cx="2126273" cy="529698"/>
-          </a:xfrm>
-          <a:prstGeom prst="rect">
-            <a:avLst/>
-          </a:prstGeom>
-        </p:spPr>
-        <p:txBody>
-          <a:bodyPr/>
-          <a:lstStyle/>
-          <a:p>
             <a:endParaRPr lang="en-US" dirty="0"/>
           </a:p>
         </p:txBody>
@@ -1863,6 +1863,39 @@
       </p:grpSpPr>
       <p:sp>
         <p:nvSpPr>
+          <p:cNvPr id="10" name="Picture Placeholder 13">
+            <a:extLst>
+              <a:ext uri="{FF2B5EF4-FFF2-40B4-BE49-F238E27FC236}">
+                <a16:creationId xmlns:a16="http://schemas.microsoft.com/office/drawing/2014/main" id="{6A0FA445-7602-F06E-EC73-5504EBF827CC}"/>
+              </a:ext>
+            </a:extLst>
+          </p:cNvPr>
+          <p:cNvSpPr>
+            <a:spLocks noGrp="1"/>
+          </p:cNvSpPr>
+          <p:nvPr>
+            <p:ph type="pic" sz="quarter" idx="14"/>
+          </p:nvPr>
+        </p:nvSpPr>
+        <p:spPr>
+          <a:xfrm>
+            <a:off x="313592" y="4536078"/>
+            <a:ext cx="2130670" cy="529698"/>
+          </a:xfrm>
+          <a:prstGeom prst="rect">
+            <a:avLst/>
+          </a:prstGeom>
+        </p:spPr>
+        <p:txBody>
+          <a:bodyPr/>
+          <a:lstStyle/>
+          <a:p>
+            <a:endParaRPr lang="en-US" dirty="0"/>
+          </a:p>
+        </p:txBody>
+      </p:sp>
+      <p:sp>
+        <p:nvSpPr>
           <p:cNvPr id="3" name="Shape 1">
             <a:extLst>
               <a:ext uri="{FF2B5EF4-FFF2-40B4-BE49-F238E27FC236}">
@@ -1952,39 +1985,6 @@
               <a:rPr lang="en-US" dirty="0"/>
               <a:t>Visual Content</a:t>
             </a:r>
-          </a:p>
-        </p:txBody>
-      </p:sp>
-      <p:sp>
-        <p:nvSpPr>
-          <p:cNvPr id="10" name="Picture Placeholder 13">
-            <a:extLst>
-              <a:ext uri="{FF2B5EF4-FFF2-40B4-BE49-F238E27FC236}">
-                <a16:creationId xmlns:a16="http://schemas.microsoft.com/office/drawing/2014/main" id="{6A0FA445-7602-F06E-EC73-5504EBF827CC}"/>
-              </a:ext>
-            </a:extLst>
-          </p:cNvPr>
-          <p:cNvSpPr>
-            <a:spLocks noGrp="1"/>
-          </p:cNvSpPr>
-          <p:nvPr>
-            <p:ph type="pic" sz="quarter" idx="14"/>
-          </p:nvPr>
-        </p:nvSpPr>
-        <p:spPr>
-          <a:xfrm>
-            <a:off x="313592" y="4536078"/>
-            <a:ext cx="2130670" cy="529698"/>
-          </a:xfrm>
-          <a:prstGeom prst="rect">
-            <a:avLst/>
-          </a:prstGeom>
-        </p:spPr>
-        <p:txBody>
-          <a:bodyPr/>
-          <a:lstStyle/>
-          <a:p>
-            <a:endParaRPr lang="en-US" dirty="0"/>
           </a:p>
         </p:txBody>
       </p:sp>
@@ -2180,6 +2180,39 @@
       </p:grpSpPr>
       <p:sp>
         <p:nvSpPr>
+          <p:cNvPr id="10" name="Picture Placeholder 13">
+            <a:extLst>
+              <a:ext uri="{FF2B5EF4-FFF2-40B4-BE49-F238E27FC236}">
+                <a16:creationId xmlns:a16="http://schemas.microsoft.com/office/drawing/2014/main" id="{6A0FA445-7602-F06E-EC73-5504EBF827CC}"/>
+              </a:ext>
+            </a:extLst>
+          </p:cNvPr>
+          <p:cNvSpPr>
+            <a:spLocks noGrp="1"/>
+          </p:cNvSpPr>
+          <p:nvPr>
+            <p:ph type="pic" sz="quarter" idx="14"/>
+          </p:nvPr>
+        </p:nvSpPr>
+        <p:spPr>
+          <a:xfrm>
+            <a:off x="313592" y="4536078"/>
+            <a:ext cx="2104294" cy="529698"/>
+          </a:xfrm>
+          <a:prstGeom prst="rect">
+            <a:avLst/>
+          </a:prstGeom>
+        </p:spPr>
+        <p:txBody>
+          <a:bodyPr/>
+          <a:lstStyle/>
+          <a:p>
+            <a:endParaRPr lang="en-US" dirty="0"/>
+          </a:p>
+        </p:txBody>
+      </p:sp>
+      <p:sp>
+        <p:nvSpPr>
           <p:cNvPr id="3" name="Shape 1">
             <a:extLst>
               <a:ext uri="{FF2B5EF4-FFF2-40B4-BE49-F238E27FC236}">
@@ -2269,39 +2302,6 @@
               <a:rPr lang="en-US" dirty="0"/>
               <a:t>Data Visualization</a:t>
             </a:r>
-          </a:p>
-        </p:txBody>
-      </p:sp>
-      <p:sp>
-        <p:nvSpPr>
-          <p:cNvPr id="10" name="Picture Placeholder 13">
-            <a:extLst>
-              <a:ext uri="{FF2B5EF4-FFF2-40B4-BE49-F238E27FC236}">
-                <a16:creationId xmlns:a16="http://schemas.microsoft.com/office/drawing/2014/main" id="{6A0FA445-7602-F06E-EC73-5504EBF827CC}"/>
-              </a:ext>
-            </a:extLst>
-          </p:cNvPr>
-          <p:cNvSpPr>
-            <a:spLocks noGrp="1"/>
-          </p:cNvSpPr>
-          <p:nvPr>
-            <p:ph type="pic" sz="quarter" idx="14"/>
-          </p:nvPr>
-        </p:nvSpPr>
-        <p:spPr>
-          <a:xfrm>
-            <a:off x="313592" y="4536078"/>
-            <a:ext cx="2104294" cy="529698"/>
-          </a:xfrm>
-          <a:prstGeom prst="rect">
-            <a:avLst/>
-          </a:prstGeom>
-        </p:spPr>
-        <p:txBody>
-          <a:bodyPr/>
-          <a:lstStyle/>
-          <a:p>
-            <a:endParaRPr lang="en-US" dirty="0"/>
           </a:p>
         </p:txBody>
       </p:sp>
@@ -3423,7 +3423,7 @@
       <p:grpSpPr/>
       <p:sp>
         <p:nvSpPr>
-          <p:cNvPr id="2" name="Text Placeholder 1"/>
+          <p:cNvPr id="3" name="Text Placeholder 2"/>
           <p:cNvSpPr>
             <a:spLocks noGrp="1"/>
           </p:cNvSpPr>
@@ -3727,7 +3727,7 @@
       <p:grpSpPr/>
       <p:sp>
         <p:nvSpPr>
-          <p:cNvPr id="2" name="Text Placeholder 1"/>
+          <p:cNvPr id="3" name="Text Placeholder 2"/>
           <p:cNvSpPr>
             <a:spLocks noGrp="1"/>
           </p:cNvSpPr>
@@ -3902,7 +3902,7 @@
       <p:grpSpPr/>
       <p:sp>
         <p:nvSpPr>
-          <p:cNvPr id="2" name="Text Placeholder 1"/>
+          <p:cNvPr id="3" name="Text Placeholder 2"/>
           <p:cNvSpPr>
             <a:spLocks noGrp="1"/>
           </p:cNvSpPr>
@@ -4770,7 +4770,7 @@
       <p:grpSpPr/>
       <p:sp>
         <p:nvSpPr>
-          <p:cNvPr id="2" name="Text Placeholder 1"/>
+          <p:cNvPr id="3" name="Text Placeholder 2"/>
           <p:cNvSpPr>
             <a:spLocks noGrp="1"/>
           </p:cNvSpPr>
@@ -4959,7 +4959,7 @@
       <p:grpSpPr/>
       <p:sp>
         <p:nvSpPr>
-          <p:cNvPr id="2" name="Text Placeholder 1"/>
+          <p:cNvPr id="3" name="Text Placeholder 2"/>
           <p:cNvSpPr>
             <a:spLocks noGrp="1"/>
           </p:cNvSpPr>
@@ -5143,7 +5143,7 @@
       <p:grpSpPr/>
       <p:sp>
         <p:nvSpPr>
-          <p:cNvPr id="2" name="Text Placeholder 1"/>
+          <p:cNvPr id="3" name="Text Placeholder 2"/>
           <p:cNvSpPr>
             <a:spLocks noGrp="1"/>
           </p:cNvSpPr>
@@ -5562,7 +5562,7 @@
       <p:grpSpPr/>
       <p:sp>
         <p:nvSpPr>
-          <p:cNvPr id="2" name="Text Placeholder 1"/>
+          <p:cNvPr id="3" name="Text Placeholder 2"/>
           <p:cNvSpPr>
             <a:spLocks noGrp="1"/>
           </p:cNvSpPr>
@@ -5735,7 +5735,7 @@
       <p:grpSpPr/>
       <p:sp>
         <p:nvSpPr>
-          <p:cNvPr id="2" name="Text Placeholder 1"/>
+          <p:cNvPr id="3" name="Text Placeholder 2"/>
           <p:cNvSpPr>
             <a:spLocks noGrp="1"/>
           </p:cNvSpPr>
@@ -5922,7 +5922,7 @@
       <p:grpSpPr/>
       <p:sp>
         <p:nvSpPr>
-          <p:cNvPr id="2" name="Text Placeholder 1"/>
+          <p:cNvPr id="3" name="Text Placeholder 2"/>
           <p:cNvSpPr>
             <a:spLocks noGrp="1"/>
           </p:cNvSpPr>

--- a/solutions/nvidia/modern-workspace/omniverse-enterprise/presales/solution-briefing.pptx
+++ b/solutions/nvidia/modern-workspace/omniverse-enterprise/presales/solution-briefing.pptx
@@ -4814,13 +4814,13 @@
           <a:p>
             <a:pPr lvl="1"/>
             <a:r>
-              <a:t>Omniverse Nucleus server cluster (2 servers HA) for centralized USD scene storage and version control</a:t>
+              <a:t>Omniverse Nucleus server cluster (2 servers HA) for USD scene storage</a:t>
             </a:r>
           </a:p>
           <a:p>
             <a:pPr lvl="1"/>
             <a:r>
-              <a:t>50x Dell Precision 7960 workstations each with NVIDIA RTX A6000 48GB for real-time ray tracing</a:t>
+              <a:t>50x Dell Precision 7960 workstations with NVIDIA RTX A6000 48GB GPUs</a:t>
             </a:r>
           </a:p>
           <a:p>
@@ -4851,7 +4851,7 @@
           <a:p>
             <a:pPr lvl="1"/>
             <a:r>
-              <a:t>Omniverse Farm (10 nodes) and 100 TB storage (3-5 GB/s) for USD assets</a:t>
+              <a:t>Omniverse Farm (10 nodes) with 100 TB storage (3-5 GB/s)</a:t>
             </a:r>
           </a:p>
         </p:txBody>

--- a/solutions/nvidia/modern-workspace/omniverse-enterprise/presales/solution-briefing.pptx
+++ b/solutions/nvidia/modern-workspace/omniverse-enterprise/presales/solution-briefing.pptx
@@ -3326,7 +3326,7 @@
           <a:lstStyle/>
           <a:p>
             <a:r>
-              <a:t>['Presenter Name'] | November 22, 2025</a:t>
+              <a:t>['Presenter Name'] | November 24, 2025</a:t>
             </a:r>
           </a:p>
         </p:txBody>
@@ -6145,7 +6145,7 @@
                     <a:p>
                       <a:r>
                         <a:rPr sz="1100"/>
-                        <a:t>$113,200</a:t>
+                        <a:t>$0</a:t>
                       </a:r>
                     </a:p>
                   </a:txBody>
@@ -6179,7 +6179,7 @@
                     <a:p>
                       <a:r>
                         <a:rPr sz="1100"/>
-                        <a:t>$113,200</a:t>
+                        <a:t>$0</a:t>
                       </a:r>
                     </a:p>
                   </a:txBody>
@@ -6230,7 +6230,7 @@
                     <a:p>
                       <a:r>
                         <a:rPr sz="1100"/>
-                        <a:t>$113,200</a:t>
+                        <a:t>$0</a:t>
                       </a:r>
                     </a:p>
                   </a:txBody>
@@ -6629,7 +6629,7 @@
                     <a:p>
                       <a:r>
                         <a:rPr b="1" sz="1100"/>
-                        <a:t>$1,493,200</a:t>
+                        <a:t>$1,380,000</a:t>
                       </a:r>
                     </a:p>
                   </a:txBody>
@@ -6663,7 +6663,7 @@
                     <a:p>
                       <a:r>
                         <a:rPr b="1" sz="1100"/>
-                        <a:t>$1,446,700</a:t>
+                        <a:t>$1,333,500</a:t>
                       </a:r>
                     </a:p>
                   </a:txBody>
@@ -6714,7 +6714,7 @@
                     <a:p>
                       <a:r>
                         <a:rPr b="1" sz="1100"/>
-                        <a:t>$1,872,700</a:t>
+                        <a:t>$1,759,500</a:t>
                       </a:r>
                     </a:p>
                   </a:txBody>
